--- a/docs/songs/our god.pptx
+++ b/docs/songs/our god.pptx
@@ -308,7 +308,7 @@
             <a:fld id="{26EA1CF3-4A15-4CBF-9A5A-6A56C368BE71}" type="datetimeFigureOut">
               <a:rPr lang="en-GB" smtClean="0"/>
               <a:pPr/>
-              <a:t>03/10/2022</a:t>
+              <a:t>14/07/2024</a:t>
             </a:fld>
             <a:endParaRPr lang="en-GB"/>
           </a:p>
@@ -475,7 +475,7 @@
             <a:fld id="{26EA1CF3-4A15-4CBF-9A5A-6A56C368BE71}" type="datetimeFigureOut">
               <a:rPr lang="en-GB" smtClean="0"/>
               <a:pPr/>
-              <a:t>03/10/2022</a:t>
+              <a:t>14/07/2024</a:t>
             </a:fld>
             <a:endParaRPr lang="en-GB"/>
           </a:p>
@@ -652,7 +652,7 @@
             <a:fld id="{26EA1CF3-4A15-4CBF-9A5A-6A56C368BE71}" type="datetimeFigureOut">
               <a:rPr lang="en-GB" smtClean="0"/>
               <a:pPr/>
-              <a:t>03/10/2022</a:t>
+              <a:t>14/07/2024</a:t>
             </a:fld>
             <a:endParaRPr lang="en-GB"/>
           </a:p>
@@ -819,7 +819,7 @@
             <a:fld id="{26EA1CF3-4A15-4CBF-9A5A-6A56C368BE71}" type="datetimeFigureOut">
               <a:rPr lang="en-GB" smtClean="0"/>
               <a:pPr/>
-              <a:t>03/10/2022</a:t>
+              <a:t>14/07/2024</a:t>
             </a:fld>
             <a:endParaRPr lang="en-GB"/>
           </a:p>
@@ -1062,7 +1062,7 @@
             <a:fld id="{26EA1CF3-4A15-4CBF-9A5A-6A56C368BE71}" type="datetimeFigureOut">
               <a:rPr lang="en-GB" smtClean="0"/>
               <a:pPr/>
-              <a:t>03/10/2022</a:t>
+              <a:t>14/07/2024</a:t>
             </a:fld>
             <a:endParaRPr lang="en-GB"/>
           </a:p>
@@ -1347,7 +1347,7 @@
             <a:fld id="{26EA1CF3-4A15-4CBF-9A5A-6A56C368BE71}" type="datetimeFigureOut">
               <a:rPr lang="en-GB" smtClean="0"/>
               <a:pPr/>
-              <a:t>03/10/2022</a:t>
+              <a:t>14/07/2024</a:t>
             </a:fld>
             <a:endParaRPr lang="en-GB"/>
           </a:p>
@@ -1766,7 +1766,7 @@
             <a:fld id="{26EA1CF3-4A15-4CBF-9A5A-6A56C368BE71}" type="datetimeFigureOut">
               <a:rPr lang="en-GB" smtClean="0"/>
               <a:pPr/>
-              <a:t>03/10/2022</a:t>
+              <a:t>14/07/2024</a:t>
             </a:fld>
             <a:endParaRPr lang="en-GB"/>
           </a:p>
@@ -1881,7 +1881,7 @@
             <a:fld id="{26EA1CF3-4A15-4CBF-9A5A-6A56C368BE71}" type="datetimeFigureOut">
               <a:rPr lang="en-GB" smtClean="0"/>
               <a:pPr/>
-              <a:t>03/10/2022</a:t>
+              <a:t>14/07/2024</a:t>
             </a:fld>
             <a:endParaRPr lang="en-GB"/>
           </a:p>
@@ -1973,7 +1973,7 @@
             <a:fld id="{26EA1CF3-4A15-4CBF-9A5A-6A56C368BE71}" type="datetimeFigureOut">
               <a:rPr lang="en-GB" smtClean="0"/>
               <a:pPr/>
-              <a:t>03/10/2022</a:t>
+              <a:t>14/07/2024</a:t>
             </a:fld>
             <a:endParaRPr lang="en-GB"/>
           </a:p>
@@ -2247,7 +2247,7 @@
             <a:fld id="{26EA1CF3-4A15-4CBF-9A5A-6A56C368BE71}" type="datetimeFigureOut">
               <a:rPr lang="en-GB" smtClean="0"/>
               <a:pPr/>
-              <a:t>03/10/2022</a:t>
+              <a:t>14/07/2024</a:t>
             </a:fld>
             <a:endParaRPr lang="en-GB"/>
           </a:p>
@@ -2497,7 +2497,7 @@
             <a:fld id="{26EA1CF3-4A15-4CBF-9A5A-6A56C368BE71}" type="datetimeFigureOut">
               <a:rPr lang="en-GB" smtClean="0"/>
               <a:pPr/>
-              <a:t>03/10/2022</a:t>
+              <a:t>14/07/2024</a:t>
             </a:fld>
             <a:endParaRPr lang="en-GB"/>
           </a:p>
@@ -2710,7 +2710,7 @@
             <a:fld id="{26EA1CF3-4A15-4CBF-9A5A-6A56C368BE71}" type="datetimeFigureOut">
               <a:rPr lang="en-GB" smtClean="0"/>
               <a:pPr/>
-              <a:t>03/10/2022</a:t>
+              <a:t>14/07/2024</a:t>
             </a:fld>
             <a:endParaRPr lang="en-GB"/>
           </a:p>
@@ -3257,7 +3257,7 @@
         </p:nvSpPr>
         <p:spPr>
           <a:xfrm>
-            <a:off x="323528" y="188640"/>
+            <a:off x="203118" y="764704"/>
             <a:ext cx="8640960" cy="6480720"/>
           </a:xfrm>
         </p:spPr>
@@ -3268,7 +3268,7 @@
           <a:lstStyle/>
           <a:p>
             <a:r>
-              <a:rPr lang="en-GB" sz="5400" dirty="0">
+              <a:rPr lang="en-GB" sz="3600" dirty="0">
                 <a:solidFill>
                   <a:schemeClr val="bg1"/>
                 </a:solidFill>
@@ -3276,14 +3276,14 @@
               <a:t>Water You turned into wine</a:t>
             </a:r>
             <a:br>
-              <a:rPr lang="en-GB" sz="5400" dirty="0">
+              <a:rPr lang="en-GB" sz="3600" dirty="0">
                 <a:solidFill>
                   <a:schemeClr val="bg1"/>
                 </a:solidFill>
               </a:rPr>
             </a:br>
             <a:r>
-              <a:rPr lang="en-GB" sz="5400" dirty="0">
+              <a:rPr lang="en-GB" sz="3600" dirty="0">
                 <a:solidFill>
                   <a:schemeClr val="bg1"/>
                 </a:solidFill>
@@ -3291,14 +3291,14 @@
               <a:t>Opened the eyes of the blind</a:t>
             </a:r>
             <a:br>
-              <a:rPr lang="en-GB" sz="5400" dirty="0">
+              <a:rPr lang="en-GB" sz="3600" dirty="0">
                 <a:solidFill>
                   <a:schemeClr val="bg1"/>
                 </a:solidFill>
               </a:rPr>
             </a:br>
             <a:r>
-              <a:rPr lang="en-GB" sz="5400" dirty="0">
+              <a:rPr lang="en-GB" sz="3600" dirty="0">
                 <a:solidFill>
                   <a:schemeClr val="bg1"/>
                 </a:solidFill>
@@ -3306,14 +3306,14 @@
               <a:t>There's no one like you</a:t>
             </a:r>
             <a:br>
-              <a:rPr lang="en-GB" sz="5400" dirty="0">
+              <a:rPr lang="en-GB" sz="3600" dirty="0">
                 <a:solidFill>
                   <a:schemeClr val="bg1"/>
                 </a:solidFill>
               </a:rPr>
             </a:br>
             <a:r>
-              <a:rPr lang="en-GB" sz="5400" dirty="0">
+              <a:rPr lang="en-GB" sz="3600" dirty="0">
                 <a:solidFill>
                   <a:schemeClr val="bg1"/>
                 </a:solidFill>
@@ -3321,14 +3321,14 @@
               <a:t>None like you</a:t>
             </a:r>
             <a:br>
-              <a:rPr lang="en-GB" sz="5400" dirty="0">
+              <a:rPr lang="en-GB" sz="3600" dirty="0">
                 <a:solidFill>
                   <a:schemeClr val="bg1"/>
                 </a:solidFill>
               </a:rPr>
             </a:br>
             <a:r>
-              <a:rPr lang="en-GB" sz="5400" dirty="0">
+              <a:rPr lang="en-GB" sz="3600" dirty="0">
                 <a:solidFill>
                   <a:schemeClr val="bg1"/>
                 </a:solidFill>
@@ -3336,14 +3336,14 @@
               <a:t>Into the darkness You shine</a:t>
             </a:r>
             <a:br>
-              <a:rPr lang="en-GB" sz="5400" dirty="0">
+              <a:rPr lang="en-GB" sz="3600" dirty="0">
                 <a:solidFill>
                   <a:schemeClr val="bg1"/>
                 </a:solidFill>
               </a:rPr>
             </a:br>
             <a:r>
-              <a:rPr lang="en-GB" sz="5400" dirty="0">
+              <a:rPr lang="en-GB" sz="3600" dirty="0">
                 <a:solidFill>
                   <a:schemeClr val="bg1"/>
                 </a:solidFill>
@@ -3351,14 +3351,14 @@
               <a:t>Out of the ashes we rise</a:t>
             </a:r>
             <a:br>
-              <a:rPr lang="en-GB" sz="5400" dirty="0">
+              <a:rPr lang="en-GB" sz="3600" dirty="0">
                 <a:solidFill>
                   <a:schemeClr val="bg1"/>
                 </a:solidFill>
               </a:rPr>
             </a:br>
             <a:r>
-              <a:rPr lang="en-GB" sz="5400" dirty="0">
+              <a:rPr lang="en-GB" sz="3600" dirty="0">
                 <a:solidFill>
                   <a:schemeClr val="bg1"/>
                 </a:solidFill>
@@ -3366,14 +3366,14 @@
               <a:t>There's No one like you</a:t>
             </a:r>
             <a:br>
-              <a:rPr lang="en-GB" sz="5400" dirty="0">
+              <a:rPr lang="en-GB" sz="3600" dirty="0">
                 <a:solidFill>
                   <a:schemeClr val="bg1"/>
                 </a:solidFill>
               </a:rPr>
             </a:br>
             <a:r>
-              <a:rPr lang="en-GB" sz="5400" dirty="0">
+              <a:rPr lang="en-GB" sz="3600" dirty="0">
                 <a:solidFill>
                   <a:schemeClr val="bg1"/>
                 </a:solidFill>
@@ -3453,7 +3453,7 @@
         </p:nvSpPr>
         <p:spPr>
           <a:xfrm>
-            <a:off x="323528" y="188640"/>
+            <a:off x="203118" y="764704"/>
             <a:ext cx="8640960" cy="6480720"/>
           </a:xfrm>
         </p:spPr>
@@ -3464,7 +3464,7 @@
           <a:lstStyle/>
           <a:p>
             <a:r>
-              <a:rPr lang="en-GB" sz="5400" dirty="0">
+              <a:rPr lang="en-GB" sz="3600" dirty="0">
                 <a:solidFill>
                   <a:schemeClr val="bg1"/>
                 </a:solidFill>
@@ -3474,7 +3474,7 @@
           </a:p>
           <a:p>
             <a:r>
-              <a:rPr lang="en-GB" sz="5400" dirty="0">
+              <a:rPr lang="en-GB" sz="3600" dirty="0">
                 <a:solidFill>
                   <a:schemeClr val="bg1"/>
                 </a:solidFill>
@@ -3482,14 +3482,14 @@
               <a:t>Our God is stronger</a:t>
             </a:r>
             <a:br>
-              <a:rPr lang="en-GB" sz="5400" dirty="0">
+              <a:rPr lang="en-GB" sz="3600" dirty="0">
                 <a:solidFill>
                   <a:schemeClr val="bg1"/>
                 </a:solidFill>
               </a:rPr>
             </a:br>
             <a:r>
-              <a:rPr lang="en-GB" sz="5400" dirty="0">
+              <a:rPr lang="en-GB" sz="3600" dirty="0">
                 <a:solidFill>
                   <a:schemeClr val="bg1"/>
                 </a:solidFill>
@@ -3497,14 +3497,14 @@
               <a:t>God You are higher than any other</a:t>
             </a:r>
             <a:br>
-              <a:rPr lang="en-GB" sz="5400" dirty="0">
+              <a:rPr lang="en-GB" sz="3600" dirty="0">
                 <a:solidFill>
                   <a:schemeClr val="bg1"/>
                 </a:solidFill>
               </a:rPr>
             </a:br>
             <a:r>
-              <a:rPr lang="en-GB" sz="5400" dirty="0">
+              <a:rPr lang="en-GB" sz="3600" dirty="0">
                 <a:solidFill>
                   <a:schemeClr val="bg1"/>
                 </a:solidFill>
@@ -3514,7 +3514,7 @@
           </a:p>
           <a:p>
             <a:r>
-              <a:rPr lang="en-GB" sz="5400" dirty="0">
+              <a:rPr lang="en-GB" sz="3600" dirty="0">
                 <a:solidFill>
                   <a:schemeClr val="bg1"/>
                 </a:solidFill>
@@ -3522,14 +3522,14 @@
               <a:t>Awesome in power</a:t>
             </a:r>
             <a:br>
-              <a:rPr lang="en-GB" sz="5400" dirty="0">
+              <a:rPr lang="en-GB" sz="3600" dirty="0">
                 <a:solidFill>
                   <a:schemeClr val="bg1"/>
                 </a:solidFill>
               </a:rPr>
             </a:br>
             <a:r>
-              <a:rPr lang="en-GB" sz="5400" dirty="0">
+              <a:rPr lang="en-GB" sz="3600" dirty="0">
                 <a:solidFill>
                   <a:schemeClr val="bg1"/>
                 </a:solidFill>
@@ -3609,7 +3609,7 @@
         </p:nvSpPr>
         <p:spPr>
           <a:xfrm>
-            <a:off x="323528" y="188640"/>
+            <a:off x="107504" y="764704"/>
             <a:ext cx="8640960" cy="6480720"/>
           </a:xfrm>
         </p:spPr>
@@ -3620,7 +3620,7 @@
           <a:lstStyle/>
           <a:p>
             <a:r>
-              <a:rPr lang="en-GB" sz="5400" dirty="0">
+              <a:rPr lang="en-GB" sz="3600" dirty="0">
                 <a:solidFill>
                   <a:schemeClr val="bg1"/>
                 </a:solidFill>
@@ -3630,7 +3630,7 @@
           </a:p>
           <a:p>
             <a:r>
-              <a:rPr lang="en-GB" sz="5400" dirty="0">
+              <a:rPr lang="en-GB" sz="3600" dirty="0">
                 <a:solidFill>
                   <a:schemeClr val="bg1"/>
                 </a:solidFill>
@@ -3638,21 +3638,21 @@
               <a:t>Then who could ever stop us?</a:t>
             </a:r>
             <a:br>
-              <a:rPr lang="en-GB" sz="5400" dirty="0">
+              <a:rPr lang="en-GB" sz="3600" dirty="0">
                 <a:solidFill>
                   <a:schemeClr val="bg1"/>
                 </a:solidFill>
               </a:rPr>
             </a:br>
             <a:br>
-              <a:rPr lang="en-GB" sz="5400" dirty="0">
+              <a:rPr lang="en-GB" sz="3600" dirty="0">
                 <a:solidFill>
                   <a:schemeClr val="bg1"/>
                 </a:solidFill>
               </a:rPr>
             </a:br>
             <a:r>
-              <a:rPr lang="en-GB" sz="5400" dirty="0">
+              <a:rPr lang="en-GB" sz="3600" dirty="0">
                 <a:solidFill>
                   <a:schemeClr val="bg1"/>
                 </a:solidFill>
@@ -3662,12 +3662,22 @@
           </a:p>
           <a:p>
             <a:r>
-              <a:rPr lang="en-GB" sz="5400" dirty="0">
+              <a:rPr lang="en-GB" sz="3600" dirty="0">
                 <a:solidFill>
                   <a:schemeClr val="bg1"/>
                 </a:solidFill>
               </a:rPr>
-              <a:t>Then what can stand against? </a:t>
+              <a:t>Then what can stand against?</a:t>
+            </a:r>
+          </a:p>
+          <a:p>
+            <a:r>
+              <a:rPr lang="en-GB" sz="3600" dirty="0">
+                <a:solidFill>
+                  <a:schemeClr val="bg1"/>
+                </a:solidFill>
+              </a:rPr>
+              <a:t>(REPEAT) </a:t>
             </a:r>
           </a:p>
         </p:txBody>

--- a/docs/songs/our god.pptx
+++ b/docs/songs/our god.pptx
@@ -7,8 +7,9 @@
   <p:sldIdLst>
     <p:sldId id="423" r:id="rId2"/>
     <p:sldId id="424" r:id="rId3"/>
-    <p:sldId id="425" r:id="rId4"/>
-    <p:sldId id="426" r:id="rId5"/>
+    <p:sldId id="427" r:id="rId4"/>
+    <p:sldId id="425" r:id="rId5"/>
+    <p:sldId id="426" r:id="rId6"/>
   </p:sldIdLst>
   <p:sldSz cx="9144000" cy="6858000" type="screen4x3"/>
   <p:notesSz cx="6858000" cy="9144000"/>
@@ -308,7 +309,7 @@
             <a:fld id="{26EA1CF3-4A15-4CBF-9A5A-6A56C368BE71}" type="datetimeFigureOut">
               <a:rPr lang="en-GB" smtClean="0"/>
               <a:pPr/>
-              <a:t>14/07/2024</a:t>
+              <a:t>16/02/2026</a:t>
             </a:fld>
             <a:endParaRPr lang="en-GB"/>
           </a:p>
@@ -475,7 +476,7 @@
             <a:fld id="{26EA1CF3-4A15-4CBF-9A5A-6A56C368BE71}" type="datetimeFigureOut">
               <a:rPr lang="en-GB" smtClean="0"/>
               <a:pPr/>
-              <a:t>14/07/2024</a:t>
+              <a:t>16/02/2026</a:t>
             </a:fld>
             <a:endParaRPr lang="en-GB"/>
           </a:p>
@@ -652,7 +653,7 @@
             <a:fld id="{26EA1CF3-4A15-4CBF-9A5A-6A56C368BE71}" type="datetimeFigureOut">
               <a:rPr lang="en-GB" smtClean="0"/>
               <a:pPr/>
-              <a:t>14/07/2024</a:t>
+              <a:t>16/02/2026</a:t>
             </a:fld>
             <a:endParaRPr lang="en-GB"/>
           </a:p>
@@ -819,7 +820,7 @@
             <a:fld id="{26EA1CF3-4A15-4CBF-9A5A-6A56C368BE71}" type="datetimeFigureOut">
               <a:rPr lang="en-GB" smtClean="0"/>
               <a:pPr/>
-              <a:t>14/07/2024</a:t>
+              <a:t>16/02/2026</a:t>
             </a:fld>
             <a:endParaRPr lang="en-GB"/>
           </a:p>
@@ -1062,7 +1063,7 @@
             <a:fld id="{26EA1CF3-4A15-4CBF-9A5A-6A56C368BE71}" type="datetimeFigureOut">
               <a:rPr lang="en-GB" smtClean="0"/>
               <a:pPr/>
-              <a:t>14/07/2024</a:t>
+              <a:t>16/02/2026</a:t>
             </a:fld>
             <a:endParaRPr lang="en-GB"/>
           </a:p>
@@ -1347,7 +1348,7 @@
             <a:fld id="{26EA1CF3-4A15-4CBF-9A5A-6A56C368BE71}" type="datetimeFigureOut">
               <a:rPr lang="en-GB" smtClean="0"/>
               <a:pPr/>
-              <a:t>14/07/2024</a:t>
+              <a:t>16/02/2026</a:t>
             </a:fld>
             <a:endParaRPr lang="en-GB"/>
           </a:p>
@@ -1766,7 +1767,7 @@
             <a:fld id="{26EA1CF3-4A15-4CBF-9A5A-6A56C368BE71}" type="datetimeFigureOut">
               <a:rPr lang="en-GB" smtClean="0"/>
               <a:pPr/>
-              <a:t>14/07/2024</a:t>
+              <a:t>16/02/2026</a:t>
             </a:fld>
             <a:endParaRPr lang="en-GB"/>
           </a:p>
@@ -1881,7 +1882,7 @@
             <a:fld id="{26EA1CF3-4A15-4CBF-9A5A-6A56C368BE71}" type="datetimeFigureOut">
               <a:rPr lang="en-GB" smtClean="0"/>
               <a:pPr/>
-              <a:t>14/07/2024</a:t>
+              <a:t>16/02/2026</a:t>
             </a:fld>
             <a:endParaRPr lang="en-GB"/>
           </a:p>
@@ -1973,7 +1974,7 @@
             <a:fld id="{26EA1CF3-4A15-4CBF-9A5A-6A56C368BE71}" type="datetimeFigureOut">
               <a:rPr lang="en-GB" smtClean="0"/>
               <a:pPr/>
-              <a:t>14/07/2024</a:t>
+              <a:t>16/02/2026</a:t>
             </a:fld>
             <a:endParaRPr lang="en-GB"/>
           </a:p>
@@ -2247,7 +2248,7 @@
             <a:fld id="{26EA1CF3-4A15-4CBF-9A5A-6A56C368BE71}" type="datetimeFigureOut">
               <a:rPr lang="en-GB" smtClean="0"/>
               <a:pPr/>
-              <a:t>14/07/2024</a:t>
+              <a:t>16/02/2026</a:t>
             </a:fld>
             <a:endParaRPr lang="en-GB"/>
           </a:p>
@@ -2497,7 +2498,7 @@
             <a:fld id="{26EA1CF3-4A15-4CBF-9A5A-6A56C368BE71}" type="datetimeFigureOut">
               <a:rPr lang="en-GB" smtClean="0"/>
               <a:pPr/>
-              <a:t>14/07/2024</a:t>
+              <a:t>16/02/2026</a:t>
             </a:fld>
             <a:endParaRPr lang="en-GB"/>
           </a:p>
@@ -2710,7 +2711,7 @@
             <a:fld id="{26EA1CF3-4A15-4CBF-9A5A-6A56C368BE71}" type="datetimeFigureOut">
               <a:rPr lang="en-GB" smtClean="0"/>
               <a:pPr/>
-              <a:t>14/07/2024</a:t>
+              <a:t>16/02/2026</a:t>
             </a:fld>
             <a:endParaRPr lang="en-GB"/>
           </a:p>
@@ -3320,66 +3321,6 @@
               </a:rPr>
               <a:t>None like you</a:t>
             </a:r>
-            <a:br>
-              <a:rPr lang="en-GB" sz="3600" dirty="0">
-                <a:solidFill>
-                  <a:schemeClr val="bg1"/>
-                </a:solidFill>
-              </a:rPr>
-            </a:br>
-            <a:r>
-              <a:rPr lang="en-GB" sz="3600" dirty="0">
-                <a:solidFill>
-                  <a:schemeClr val="bg1"/>
-                </a:solidFill>
-              </a:rPr>
-              <a:t>Into the darkness You shine</a:t>
-            </a:r>
-            <a:br>
-              <a:rPr lang="en-GB" sz="3600" dirty="0">
-                <a:solidFill>
-                  <a:schemeClr val="bg1"/>
-                </a:solidFill>
-              </a:rPr>
-            </a:br>
-            <a:r>
-              <a:rPr lang="en-GB" sz="3600" dirty="0">
-                <a:solidFill>
-                  <a:schemeClr val="bg1"/>
-                </a:solidFill>
-              </a:rPr>
-              <a:t>Out of the ashes we rise</a:t>
-            </a:r>
-            <a:br>
-              <a:rPr lang="en-GB" sz="3600" dirty="0">
-                <a:solidFill>
-                  <a:schemeClr val="bg1"/>
-                </a:solidFill>
-              </a:rPr>
-            </a:br>
-            <a:r>
-              <a:rPr lang="en-GB" sz="3600" dirty="0">
-                <a:solidFill>
-                  <a:schemeClr val="bg1"/>
-                </a:solidFill>
-              </a:rPr>
-              <a:t>There's No one like you</a:t>
-            </a:r>
-            <a:br>
-              <a:rPr lang="en-GB" sz="3600" dirty="0">
-                <a:solidFill>
-                  <a:schemeClr val="bg1"/>
-                </a:solidFill>
-              </a:rPr>
-            </a:br>
-            <a:r>
-              <a:rPr lang="en-GB" sz="3600" dirty="0">
-                <a:solidFill>
-                  <a:schemeClr val="bg1"/>
-                </a:solidFill>
-              </a:rPr>
-              <a:t>None like you</a:t>
-            </a:r>
           </a:p>
         </p:txBody>
       </p:sp>
@@ -3411,7 +3352,7 @@
                   <a:schemeClr val="bg1"/>
                 </a:solidFill>
               </a:rPr>
-              <a:t>1/3</a:t>
+              <a:t>1/4</a:t>
             </a:r>
           </a:p>
         </p:txBody>
@@ -3429,7 +3370,13 @@
   <p:cSld>
     <p:spTree>
       <p:nvGrpSpPr>
-        <p:cNvPr id="1" name=""/>
+        <p:cNvPr id="1" name="">
+          <a:extLst>
+            <a:ext uri="{FF2B5EF4-FFF2-40B4-BE49-F238E27FC236}">
+              <a16:creationId xmlns:a16="http://schemas.microsoft.com/office/drawing/2014/main" id="{BD1ECEB7-3FA4-BAEA-E206-6BE84599452D}"/>
+            </a:ext>
+          </a:extLst>
+        </p:cNvPr>
         <p:cNvGrpSpPr/>
         <p:nvPr/>
       </p:nvGrpSpPr>
@@ -3443,7 +3390,13 @@
       </p:grpSpPr>
       <p:sp>
         <p:nvSpPr>
-          <p:cNvPr id="3" name="Subtitle 2"/>
+          <p:cNvPr id="3" name="Subtitle 2">
+            <a:extLst>
+              <a:ext uri="{FF2B5EF4-FFF2-40B4-BE49-F238E27FC236}">
+                <a16:creationId xmlns:a16="http://schemas.microsoft.com/office/drawing/2014/main" id="{D0062E43-AE69-5729-038E-98396B1FB36D}"/>
+              </a:ext>
+            </a:extLst>
+          </p:cNvPr>
           <p:cNvSpPr>
             <a:spLocks noGrp="1"/>
           </p:cNvSpPr>
@@ -3469,17 +3422,7 @@
                   <a:schemeClr val="bg1"/>
                 </a:solidFill>
               </a:rPr>
-              <a:t>Our God is greater, </a:t>
-            </a:r>
-          </a:p>
-          <a:p>
-            <a:r>
-              <a:rPr lang="en-GB" sz="3600" dirty="0">
-                <a:solidFill>
-                  <a:schemeClr val="bg1"/>
-                </a:solidFill>
-              </a:rPr>
-              <a:t>Our God is stronger</a:t>
+              <a:t>Into the darkness You shine</a:t>
             </a:r>
             <a:br>
               <a:rPr lang="en-GB" sz="3600" dirty="0">
@@ -3494,7 +3437,7 @@
                   <a:schemeClr val="bg1"/>
                 </a:solidFill>
               </a:rPr>
-              <a:t>God You are higher than any other</a:t>
+              <a:t>Out of the ashes we rise</a:t>
             </a:r>
             <a:br>
               <a:rPr lang="en-GB" sz="3600" dirty="0">
@@ -3509,17 +3452,7 @@
                   <a:schemeClr val="bg1"/>
                 </a:solidFill>
               </a:rPr>
-              <a:t>Our God is Healer, </a:t>
-            </a:r>
-          </a:p>
-          <a:p>
-            <a:r>
-              <a:rPr lang="en-GB" sz="3600" dirty="0">
-                <a:solidFill>
-                  <a:schemeClr val="bg1"/>
-                </a:solidFill>
-              </a:rPr>
-              <a:t>Awesome in power</a:t>
+              <a:t>There's No one like you</a:t>
             </a:r>
             <a:br>
               <a:rPr lang="en-GB" sz="3600" dirty="0">
@@ -3534,14 +3467,20 @@
                   <a:schemeClr val="bg1"/>
                 </a:solidFill>
               </a:rPr>
-              <a:t>Our God, Our God</a:t>
-            </a:r>
-          </a:p>
-        </p:txBody>
-      </p:sp>
-      <p:sp>
-        <p:nvSpPr>
-          <p:cNvPr id="4" name="TextBox 3"/>
+              <a:t>None like you</a:t>
+            </a:r>
+          </a:p>
+        </p:txBody>
+      </p:sp>
+      <p:sp>
+        <p:nvSpPr>
+          <p:cNvPr id="4" name="TextBox 3">
+            <a:extLst>
+              <a:ext uri="{FF2B5EF4-FFF2-40B4-BE49-F238E27FC236}">
+                <a16:creationId xmlns:a16="http://schemas.microsoft.com/office/drawing/2014/main" id="{7C361D11-DF93-2D0F-4EC2-AD869D2BF014}"/>
+              </a:ext>
+            </a:extLst>
+          </p:cNvPr>
           <p:cNvSpPr txBox="1"/>
           <p:nvPr/>
         </p:nvSpPr>
@@ -3567,12 +3506,17 @@
                   <a:schemeClr val="bg1"/>
                 </a:solidFill>
               </a:rPr>
-              <a:t>2/3</a:t>
+              <a:t>2/4</a:t>
             </a:r>
           </a:p>
         </p:txBody>
       </p:sp>
     </p:spTree>
+    <p:extLst>
+      <p:ext uri="{BB962C8B-B14F-4D97-AF65-F5344CB8AC3E}">
+        <p14:creationId xmlns:p14="http://schemas.microsoft.com/office/powerpoint/2010/main" val="3174689738"/>
+      </p:ext>
+    </p:extLst>
   </p:cSld>
   <p:clrMapOvr>
     <a:masterClrMapping/>
@@ -3609,7 +3553,7 @@
         </p:nvSpPr>
         <p:spPr>
           <a:xfrm>
-            <a:off x="107504" y="764704"/>
+            <a:off x="203118" y="764704"/>
             <a:ext cx="8640960" cy="6480720"/>
           </a:xfrm>
         </p:spPr>
@@ -3625,7 +3569,7 @@
                   <a:schemeClr val="bg1"/>
                 </a:solidFill>
               </a:rPr>
-              <a:t>And if Our God is for us, </a:t>
+              <a:t>Our God is greater, </a:t>
             </a:r>
           </a:p>
           <a:p>
@@ -3635,7 +3579,7 @@
                   <a:schemeClr val="bg1"/>
                 </a:solidFill>
               </a:rPr>
-              <a:t>Then who could ever stop us?</a:t>
+              <a:t>Our God is stronger</a:t>
             </a:r>
             <a:br>
               <a:rPr lang="en-GB" sz="3600" dirty="0">
@@ -3644,6 +3588,14 @@
                 </a:solidFill>
               </a:rPr>
             </a:br>
+            <a:r>
+              <a:rPr lang="en-GB" sz="3600" dirty="0">
+                <a:solidFill>
+                  <a:schemeClr val="bg1"/>
+                </a:solidFill>
+              </a:rPr>
+              <a:t>God You are higher than any other</a:t>
+            </a:r>
             <a:br>
               <a:rPr lang="en-GB" sz="3600" dirty="0">
                 <a:solidFill>
@@ -3657,7 +3609,7 @@
                   <a:schemeClr val="bg1"/>
                 </a:solidFill>
               </a:rPr>
-              <a:t>And if our God is with us, </a:t>
+              <a:t>Our God is Healer, </a:t>
             </a:r>
           </a:p>
           <a:p>
@@ -3667,17 +3619,22 @@
                   <a:schemeClr val="bg1"/>
                 </a:solidFill>
               </a:rPr>
-              <a:t>Then what can stand against?</a:t>
-            </a:r>
-          </a:p>
-          <a:p>
-            <a:r>
+              <a:t>Awesome in power</a:t>
+            </a:r>
+            <a:br>
               <a:rPr lang="en-GB" sz="3600" dirty="0">
                 <a:solidFill>
                   <a:schemeClr val="bg1"/>
                 </a:solidFill>
               </a:rPr>
-              <a:t>(REPEAT) </a:t>
+            </a:br>
+            <a:r>
+              <a:rPr lang="en-GB" sz="3600" dirty="0">
+                <a:solidFill>
+                  <a:schemeClr val="bg1"/>
+                </a:solidFill>
+              </a:rPr>
+              <a:t>Our God, Our God</a:t>
             </a:r>
           </a:p>
         </p:txBody>
@@ -3710,7 +3667,150 @@
                   <a:schemeClr val="bg1"/>
                 </a:solidFill>
               </a:rPr>
-              <a:t>3/3</a:t>
+              <a:t>3/4</a:t>
+            </a:r>
+          </a:p>
+        </p:txBody>
+      </p:sp>
+    </p:spTree>
+  </p:cSld>
+  <p:clrMapOvr>
+    <a:masterClrMapping/>
+  </p:clrMapOvr>
+</p:sld>
+</file>
+
+<file path=ppt/slides/slide5.xml><?xml version="1.0" encoding="utf-8"?>
+<p:sld xmlns:a="http://schemas.openxmlformats.org/drawingml/2006/main" xmlns:r="http://schemas.openxmlformats.org/officeDocument/2006/relationships" xmlns:p="http://schemas.openxmlformats.org/presentationml/2006/main">
+  <p:cSld>
+    <p:spTree>
+      <p:nvGrpSpPr>
+        <p:cNvPr id="1" name=""/>
+        <p:cNvGrpSpPr/>
+        <p:nvPr/>
+      </p:nvGrpSpPr>
+      <p:grpSpPr>
+        <a:xfrm>
+          <a:off x="0" y="0"/>
+          <a:ext cx="0" cy="0"/>
+          <a:chOff x="0" y="0"/>
+          <a:chExt cx="0" cy="0"/>
+        </a:xfrm>
+      </p:grpSpPr>
+      <p:sp>
+        <p:nvSpPr>
+          <p:cNvPr id="3" name="Subtitle 2"/>
+          <p:cNvSpPr>
+            <a:spLocks noGrp="1"/>
+          </p:cNvSpPr>
+          <p:nvPr>
+            <p:ph type="subTitle" idx="1"/>
+          </p:nvPr>
+        </p:nvSpPr>
+        <p:spPr>
+          <a:xfrm>
+            <a:off x="107504" y="764704"/>
+            <a:ext cx="8640960" cy="6480720"/>
+          </a:xfrm>
+        </p:spPr>
+        <p:txBody>
+          <a:bodyPr>
+            <a:noAutofit/>
+          </a:bodyPr>
+          <a:lstStyle/>
+          <a:p>
+            <a:r>
+              <a:rPr lang="en-GB" sz="3600" dirty="0">
+                <a:solidFill>
+                  <a:schemeClr val="bg1"/>
+                </a:solidFill>
+              </a:rPr>
+              <a:t>And if Our God is for us, </a:t>
+            </a:r>
+          </a:p>
+          <a:p>
+            <a:r>
+              <a:rPr lang="en-GB" sz="3600" dirty="0">
+                <a:solidFill>
+                  <a:schemeClr val="bg1"/>
+                </a:solidFill>
+              </a:rPr>
+              <a:t>Then who could ever stop us?</a:t>
+            </a:r>
+            <a:br>
+              <a:rPr lang="en-GB" sz="3600" dirty="0">
+                <a:solidFill>
+                  <a:schemeClr val="bg1"/>
+                </a:solidFill>
+              </a:rPr>
+            </a:br>
+            <a:br>
+              <a:rPr lang="en-GB" sz="3600" dirty="0">
+                <a:solidFill>
+                  <a:schemeClr val="bg1"/>
+                </a:solidFill>
+              </a:rPr>
+            </a:br>
+            <a:r>
+              <a:rPr lang="en-GB" sz="3600" dirty="0">
+                <a:solidFill>
+                  <a:schemeClr val="bg1"/>
+                </a:solidFill>
+              </a:rPr>
+              <a:t>And if our God is with us, </a:t>
+            </a:r>
+          </a:p>
+          <a:p>
+            <a:r>
+              <a:rPr lang="en-GB" sz="3600" dirty="0">
+                <a:solidFill>
+                  <a:schemeClr val="bg1"/>
+                </a:solidFill>
+              </a:rPr>
+              <a:t>Then what can stand against?</a:t>
+            </a:r>
+          </a:p>
+          <a:p>
+            <a:r>
+              <a:rPr lang="en-GB" sz="3600" dirty="0">
+                <a:solidFill>
+                  <a:schemeClr val="bg1"/>
+                </a:solidFill>
+              </a:rPr>
+              <a:t>(REPEAT) </a:t>
+            </a:r>
+          </a:p>
+        </p:txBody>
+      </p:sp>
+      <p:sp>
+        <p:nvSpPr>
+          <p:cNvPr id="4" name="TextBox 3"/>
+          <p:cNvSpPr txBox="1"/>
+          <p:nvPr/>
+        </p:nvSpPr>
+        <p:spPr>
+          <a:xfrm>
+            <a:off x="8529729" y="0"/>
+            <a:ext cx="628698" cy="461665"/>
+          </a:xfrm>
+          <a:prstGeom prst="rect">
+            <a:avLst/>
+          </a:prstGeom>
+          <a:noFill/>
+        </p:spPr>
+        <p:txBody>
+          <a:bodyPr wrap="none" rtlCol="0">
+            <a:spAutoFit/>
+          </a:bodyPr>
+          <a:lstStyle/>
+          <a:p>
+            <a:r>
+              <a:rPr lang="en-GB" sz="2400" b="1" dirty="0">
+                <a:solidFill>
+                  <a:schemeClr val="bg1"/>
+                </a:solidFill>
+              </a:rPr>
+              <a:t>4/4</a:t>
             </a:r>
           </a:p>
         </p:txBody>
